--- a/2021년 10월 9일 도면해석자동화.pptx
+++ b/2021년 10월 9일 도면해석자동화.pptx
@@ -121,7 +121,7 @@
   </p:defaultTextStyle>
   <p:extLst>
     <p:ext uri="{EFAFB233-063F-42B5-8137-9DF3F51BA10A}">
-      <p15:sldGuideLst xmlns:p15="http://schemas.microsoft.com/office/powerpoint/2012/main" xmlns="">
+      <p15:sldGuideLst xmlns="" xmlns:p15="http://schemas.microsoft.com/office/powerpoint/2012/main">
         <p15:guide id="1" orient="horz" pos="2183" userDrawn="1">
           <p15:clr>
             <a:srgbClr val="A4A3A4"/>
@@ -221,7 +221,7 @@
             <a:fld id="{6A362C80-AE36-4E76-B3A2-B93715BD75DF}" type="datetimeFigureOut">
               <a:rPr lang="ko-KR" altLang="en-US" smtClean="0"/>
               <a:pPr/>
-              <a:t>2021-10-08</a:t>
+              <a:t>2021-10-09</a:t>
             </a:fld>
             <a:endParaRPr lang="ko-KR" altLang="en-US"/>
           </a:p>
@@ -617,7 +617,7 @@
             <a:fld id="{3AC7D0C1-D5FE-48CB-AEB6-E9E3D1C2E343}" type="datetimeFigureOut">
               <a:rPr lang="ko-KR" altLang="en-US" smtClean="0"/>
               <a:pPr/>
-              <a:t>2021-10-08</a:t>
+              <a:t>2021-10-09</a:t>
             </a:fld>
             <a:endParaRPr lang="ko-KR" altLang="en-US"/>
           </a:p>
@@ -669,7 +669,7 @@
     </p:spTree>
     <p:extLst>
       <p:ext uri="{BB962C8B-B14F-4D97-AF65-F5344CB8AC3E}">
-        <p14:creationId xmlns:p14="http://schemas.microsoft.com/office/powerpoint/2010/main" xmlns="" val="1823638458"/>
+        <p14:creationId xmlns="" xmlns:p14="http://schemas.microsoft.com/office/powerpoint/2010/main" val="1823638458"/>
       </p:ext>
     </p:extLst>
   </p:cSld>
@@ -787,7 +787,7 @@
             <a:fld id="{3AC7D0C1-D5FE-48CB-AEB6-E9E3D1C2E343}" type="datetimeFigureOut">
               <a:rPr lang="ko-KR" altLang="en-US" smtClean="0"/>
               <a:pPr/>
-              <a:t>2021-10-08</a:t>
+              <a:t>2021-10-09</a:t>
             </a:fld>
             <a:endParaRPr lang="ko-KR" altLang="en-US"/>
           </a:p>
@@ -839,7 +839,7 @@
     </p:spTree>
     <p:extLst>
       <p:ext uri="{BB962C8B-B14F-4D97-AF65-F5344CB8AC3E}">
-        <p14:creationId xmlns:p14="http://schemas.microsoft.com/office/powerpoint/2010/main" xmlns="" val="1781722897"/>
+        <p14:creationId xmlns="" xmlns:p14="http://schemas.microsoft.com/office/powerpoint/2010/main" val="1781722897"/>
       </p:ext>
     </p:extLst>
   </p:cSld>
@@ -967,7 +967,7 @@
             <a:fld id="{3AC7D0C1-D5FE-48CB-AEB6-E9E3D1C2E343}" type="datetimeFigureOut">
               <a:rPr lang="ko-KR" altLang="en-US" smtClean="0"/>
               <a:pPr/>
-              <a:t>2021-10-08</a:t>
+              <a:t>2021-10-09</a:t>
             </a:fld>
             <a:endParaRPr lang="ko-KR" altLang="en-US"/>
           </a:p>
@@ -1019,7 +1019,7 @@
     </p:spTree>
     <p:extLst>
       <p:ext uri="{BB962C8B-B14F-4D97-AF65-F5344CB8AC3E}">
-        <p14:creationId xmlns:p14="http://schemas.microsoft.com/office/powerpoint/2010/main" xmlns="" val="1329840432"/>
+        <p14:creationId xmlns="" xmlns:p14="http://schemas.microsoft.com/office/powerpoint/2010/main" val="1329840432"/>
       </p:ext>
     </p:extLst>
   </p:cSld>
@@ -1137,7 +1137,7 @@
             <a:fld id="{3AC7D0C1-D5FE-48CB-AEB6-E9E3D1C2E343}" type="datetimeFigureOut">
               <a:rPr lang="ko-KR" altLang="en-US" smtClean="0"/>
               <a:pPr/>
-              <a:t>2021-10-08</a:t>
+              <a:t>2021-10-09</a:t>
             </a:fld>
             <a:endParaRPr lang="ko-KR" altLang="en-US"/>
           </a:p>
@@ -1189,7 +1189,7 @@
     </p:spTree>
     <p:extLst>
       <p:ext uri="{BB962C8B-B14F-4D97-AF65-F5344CB8AC3E}">
-        <p14:creationId xmlns:p14="http://schemas.microsoft.com/office/powerpoint/2010/main" xmlns="" val="1416330142"/>
+        <p14:creationId xmlns="" xmlns:p14="http://schemas.microsoft.com/office/powerpoint/2010/main" val="1416330142"/>
       </p:ext>
     </p:extLst>
   </p:cSld>
@@ -1384,7 +1384,7 @@
             <a:fld id="{3AC7D0C1-D5FE-48CB-AEB6-E9E3D1C2E343}" type="datetimeFigureOut">
               <a:rPr lang="ko-KR" altLang="en-US" smtClean="0"/>
               <a:pPr/>
-              <a:t>2021-10-08</a:t>
+              <a:t>2021-10-09</a:t>
             </a:fld>
             <a:endParaRPr lang="ko-KR" altLang="en-US"/>
           </a:p>
@@ -1436,7 +1436,7 @@
     </p:spTree>
     <p:extLst>
       <p:ext uri="{BB962C8B-B14F-4D97-AF65-F5344CB8AC3E}">
-        <p14:creationId xmlns:p14="http://schemas.microsoft.com/office/powerpoint/2010/main" xmlns="" val="655722256"/>
+        <p14:creationId xmlns="" xmlns:p14="http://schemas.microsoft.com/office/powerpoint/2010/main" val="655722256"/>
       </p:ext>
     </p:extLst>
   </p:cSld>
@@ -1615,7 +1615,7 @@
             <a:fld id="{3AC7D0C1-D5FE-48CB-AEB6-E9E3D1C2E343}" type="datetimeFigureOut">
               <a:rPr lang="ko-KR" altLang="en-US" smtClean="0"/>
               <a:pPr/>
-              <a:t>2021-10-08</a:t>
+              <a:t>2021-10-09</a:t>
             </a:fld>
             <a:endParaRPr lang="ko-KR" altLang="en-US"/>
           </a:p>
@@ -1667,7 +1667,7 @@
     </p:spTree>
     <p:extLst>
       <p:ext uri="{BB962C8B-B14F-4D97-AF65-F5344CB8AC3E}">
-        <p14:creationId xmlns:p14="http://schemas.microsoft.com/office/powerpoint/2010/main" xmlns="" val="459837990"/>
+        <p14:creationId xmlns="" xmlns:p14="http://schemas.microsoft.com/office/powerpoint/2010/main" val="459837990"/>
       </p:ext>
     </p:extLst>
   </p:cSld>
@@ -1981,7 +1981,7 @@
             <a:fld id="{3AC7D0C1-D5FE-48CB-AEB6-E9E3D1C2E343}" type="datetimeFigureOut">
               <a:rPr lang="ko-KR" altLang="en-US" smtClean="0"/>
               <a:pPr/>
-              <a:t>2021-10-08</a:t>
+              <a:t>2021-10-09</a:t>
             </a:fld>
             <a:endParaRPr lang="ko-KR" altLang="en-US"/>
           </a:p>
@@ -2033,7 +2033,7 @@
     </p:spTree>
     <p:extLst>
       <p:ext uri="{BB962C8B-B14F-4D97-AF65-F5344CB8AC3E}">
-        <p14:creationId xmlns:p14="http://schemas.microsoft.com/office/powerpoint/2010/main" xmlns="" val="2641639093"/>
+        <p14:creationId xmlns="" xmlns:p14="http://schemas.microsoft.com/office/powerpoint/2010/main" val="2641639093"/>
       </p:ext>
     </p:extLst>
   </p:cSld>
@@ -2100,7 +2100,7 @@
             <a:fld id="{3AC7D0C1-D5FE-48CB-AEB6-E9E3D1C2E343}" type="datetimeFigureOut">
               <a:rPr lang="ko-KR" altLang="en-US" smtClean="0"/>
               <a:pPr/>
-              <a:t>2021-10-08</a:t>
+              <a:t>2021-10-09</a:t>
             </a:fld>
             <a:endParaRPr lang="ko-KR" altLang="en-US"/>
           </a:p>
@@ -2152,7 +2152,7 @@
     </p:spTree>
     <p:extLst>
       <p:ext uri="{BB962C8B-B14F-4D97-AF65-F5344CB8AC3E}">
-        <p14:creationId xmlns:p14="http://schemas.microsoft.com/office/powerpoint/2010/main" xmlns="" val="217537536"/>
+        <p14:creationId xmlns="" xmlns:p14="http://schemas.microsoft.com/office/powerpoint/2010/main" val="217537536"/>
       </p:ext>
     </p:extLst>
   </p:cSld>
@@ -2197,7 +2197,7 @@
             <a:fld id="{3AC7D0C1-D5FE-48CB-AEB6-E9E3D1C2E343}" type="datetimeFigureOut">
               <a:rPr lang="ko-KR" altLang="en-US" smtClean="0"/>
               <a:pPr/>
-              <a:t>2021-10-08</a:t>
+              <a:t>2021-10-09</a:t>
             </a:fld>
             <a:endParaRPr lang="ko-KR" altLang="en-US"/>
           </a:p>
@@ -2249,7 +2249,7 @@
     </p:spTree>
     <p:extLst>
       <p:ext uri="{BB962C8B-B14F-4D97-AF65-F5344CB8AC3E}">
-        <p14:creationId xmlns:p14="http://schemas.microsoft.com/office/powerpoint/2010/main" xmlns="" val="952981668"/>
+        <p14:creationId xmlns="" xmlns:p14="http://schemas.microsoft.com/office/powerpoint/2010/main" val="952981668"/>
       </p:ext>
     </p:extLst>
   </p:cSld>
@@ -2474,7 +2474,7 @@
             <a:fld id="{3AC7D0C1-D5FE-48CB-AEB6-E9E3D1C2E343}" type="datetimeFigureOut">
               <a:rPr lang="ko-KR" altLang="en-US" smtClean="0"/>
               <a:pPr/>
-              <a:t>2021-10-08</a:t>
+              <a:t>2021-10-09</a:t>
             </a:fld>
             <a:endParaRPr lang="ko-KR" altLang="en-US"/>
           </a:p>
@@ -2526,7 +2526,7 @@
     </p:spTree>
     <p:extLst>
       <p:ext uri="{BB962C8B-B14F-4D97-AF65-F5344CB8AC3E}">
-        <p14:creationId xmlns:p14="http://schemas.microsoft.com/office/powerpoint/2010/main" xmlns="" val="2227975819"/>
+        <p14:creationId xmlns="" xmlns:p14="http://schemas.microsoft.com/office/powerpoint/2010/main" val="2227975819"/>
       </p:ext>
     </p:extLst>
   </p:cSld>
@@ -2728,7 +2728,7 @@
             <a:fld id="{3AC7D0C1-D5FE-48CB-AEB6-E9E3D1C2E343}" type="datetimeFigureOut">
               <a:rPr lang="ko-KR" altLang="en-US" smtClean="0"/>
               <a:pPr/>
-              <a:t>2021-10-08</a:t>
+              <a:t>2021-10-09</a:t>
             </a:fld>
             <a:endParaRPr lang="ko-KR" altLang="en-US"/>
           </a:p>
@@ -2780,7 +2780,7 @@
     </p:spTree>
     <p:extLst>
       <p:ext uri="{BB962C8B-B14F-4D97-AF65-F5344CB8AC3E}">
-        <p14:creationId xmlns:p14="http://schemas.microsoft.com/office/powerpoint/2010/main" xmlns="" val="3028947436"/>
+        <p14:creationId xmlns="" xmlns:p14="http://schemas.microsoft.com/office/powerpoint/2010/main" val="3028947436"/>
       </p:ext>
     </p:extLst>
   </p:cSld>
@@ -2941,7 +2941,7 @@
             <a:fld id="{3AC7D0C1-D5FE-48CB-AEB6-E9E3D1C2E343}" type="datetimeFigureOut">
               <a:rPr lang="ko-KR" altLang="en-US" smtClean="0"/>
               <a:pPr/>
-              <a:t>2021-10-08</a:t>
+              <a:t>2021-10-09</a:t>
             </a:fld>
             <a:endParaRPr lang="ko-KR" altLang="en-US"/>
           </a:p>
@@ -3031,7 +3031,7 @@
           <p:cNvPr id="7" name="TextBox 6">
             <a:extLst>
               <a:ext uri="{FF2B5EF4-FFF2-40B4-BE49-F238E27FC236}">
-                <a16:creationId xmlns:a16="http://schemas.microsoft.com/office/drawing/2014/main" xmlns="" id="{691811B0-B48E-441A-87FD-055ECECA2FB0}"/>
+                <a16:creationId xmlns="" xmlns:a16="http://schemas.microsoft.com/office/drawing/2014/main" id="{691811B0-B48E-441A-87FD-055ECECA2FB0}"/>
               </a:ext>
             </a:extLst>
           </p:cNvPr>
@@ -3076,7 +3076,7 @@
     </p:spTree>
     <p:extLst>
       <p:ext uri="{BB962C8B-B14F-4D97-AF65-F5344CB8AC3E}">
-        <p14:creationId xmlns:p14="http://schemas.microsoft.com/office/powerpoint/2010/main" xmlns="" val="3455661240"/>
+        <p14:creationId xmlns="" xmlns:p14="http://schemas.microsoft.com/office/powerpoint/2010/main" val="3455661240"/>
       </p:ext>
     </p:extLst>
   </p:cSld>
@@ -3406,7 +3406,7 @@
           <a:blip r:embed="rId2" cstate="print">
             <a:extLst>
               <a:ext uri="{28A0092B-C50C-407E-A947-70E740481C1C}">
-                <a14:useLocalDpi xmlns:a14="http://schemas.microsoft.com/office/drawing/2010/main" xmlns="" val="0"/>
+                <a14:useLocalDpi xmlns="" xmlns:a14="http://schemas.microsoft.com/office/drawing/2010/main" val="0"/>
               </a:ext>
             </a:extLst>
           </a:blip>
@@ -3652,14 +3652,14 @@
     </p:spTree>
     <p:extLst>
       <p:ext uri="{BB962C8B-B14F-4D97-AF65-F5344CB8AC3E}">
-        <p14:creationId xmlns:p14="http://schemas.microsoft.com/office/powerpoint/2010/main" xmlns="" val="2239986084"/>
+        <p14:creationId xmlns="" xmlns:p14="http://schemas.microsoft.com/office/powerpoint/2010/main" val="2239986084"/>
       </p:ext>
     </p:extLst>
   </p:cSld>
   <p:clrMapOvr>
     <a:masterClrMapping/>
   </p:clrMapOvr>
-  <p:transition advTm="687"/>
+  <p:transition advTm="531"/>
   <p:timing>
     <p:tnLst>
       <p:par>
@@ -4041,7 +4041,7 @@
           <p:cNvPr id="32" name="TextBox 31">
             <a:extLst>
               <a:ext uri="{FF2B5EF4-FFF2-40B4-BE49-F238E27FC236}">
-                <a16:creationId xmlns="" xmlns:a16="http://schemas.microsoft.com/office/drawing/2014/main" id="{D521CD57-7D52-4085-AA67-6293BD236F8A}"/>
+                <a16:creationId xmlns:a16="http://schemas.microsoft.com/office/drawing/2014/main" xmlns="" id="{D521CD57-7D52-4085-AA67-6293BD236F8A}"/>
               </a:ext>
             </a:extLst>
           </p:cNvPr>
@@ -4091,7 +4091,7 @@
           <p:cNvPr id="33" name="TextBox 32">
             <a:extLst>
               <a:ext uri="{FF2B5EF4-FFF2-40B4-BE49-F238E27FC236}">
-                <a16:creationId xmlns="" xmlns:a16="http://schemas.microsoft.com/office/drawing/2014/main" id="{D521CD57-7D52-4085-AA67-6293BD236F8A}"/>
+                <a16:creationId xmlns:a16="http://schemas.microsoft.com/office/drawing/2014/main" xmlns="" id="{D521CD57-7D52-4085-AA67-6293BD236F8A}"/>
               </a:ext>
             </a:extLst>
           </p:cNvPr>
@@ -4187,7 +4187,7 @@
           <p:cNvPr id="16" name="TextBox 15">
             <a:extLst>
               <a:ext uri="{FF2B5EF4-FFF2-40B4-BE49-F238E27FC236}">
-                <a16:creationId xmlns="" xmlns:a16="http://schemas.microsoft.com/office/drawing/2014/main" id="{D521CD57-7D52-4085-AA67-6293BD236F8A}"/>
+                <a16:creationId xmlns:a16="http://schemas.microsoft.com/office/drawing/2014/main" xmlns="" id="{D521CD57-7D52-4085-AA67-6293BD236F8A}"/>
               </a:ext>
             </a:extLst>
           </p:cNvPr>
@@ -4244,14 +4244,14 @@
     </p:spTree>
     <p:extLst>
       <p:ext uri="{BB962C8B-B14F-4D97-AF65-F5344CB8AC3E}">
-        <p14:creationId xmlns:p14="http://schemas.microsoft.com/office/powerpoint/2010/main" xmlns="" val="3168494829"/>
+        <p14:creationId xmlns="" xmlns:p14="http://schemas.microsoft.com/office/powerpoint/2010/main" val="3168494829"/>
       </p:ext>
     </p:extLst>
   </p:cSld>
   <p:clrMapOvr>
     <a:masterClrMapping/>
   </p:clrMapOvr>
-  <p:transition advTm="8859"/>
+  <p:transition advTm="48829"/>
   <p:timing>
     <p:tnLst>
       <p:par>
@@ -4506,7 +4506,7 @@
           <p:cNvPr id="32" name="TextBox 31">
             <a:extLst>
               <a:ext uri="{FF2B5EF4-FFF2-40B4-BE49-F238E27FC236}">
-                <a16:creationId xmlns="" xmlns:a16="http://schemas.microsoft.com/office/drawing/2014/main" id="{D521CD57-7D52-4085-AA67-6293BD236F8A}"/>
+                <a16:creationId xmlns:a16="http://schemas.microsoft.com/office/drawing/2014/main" xmlns="" id="{D521CD57-7D52-4085-AA67-6293BD236F8A}"/>
               </a:ext>
             </a:extLst>
           </p:cNvPr>
@@ -4542,21 +4542,7 @@
                 <a:latin typeface="210 옴니고딕 030" panose="02020603020101020101" pitchFamily="18" charset="-127"/>
                 <a:ea typeface="210 옴니고딕 030" panose="02020603020101020101" pitchFamily="18" charset="-127"/>
               </a:rPr>
-              <a:t>부재리스트</a:t>
-            </a:r>
-            <a:r>
-              <a:rPr lang="ko-KR" altLang="en-US" sz="1600" b="1" smtClean="0">
-                <a:latin typeface="210 옴니고딕 030" panose="02020603020101020101" pitchFamily="18" charset="-127"/>
-                <a:ea typeface="210 옴니고딕 030" panose="02020603020101020101" pitchFamily="18" charset="-127"/>
-              </a:rPr>
-              <a:t>에서 </a:t>
-            </a:r>
-            <a:r>
-              <a:rPr lang="ko-KR" altLang="en-US" sz="1600" b="1" smtClean="0">
-                <a:latin typeface="210 옴니고딕 030" panose="02020603020101020101" pitchFamily="18" charset="-127"/>
-                <a:ea typeface="210 옴니고딕 030" panose="02020603020101020101" pitchFamily="18" charset="-127"/>
-              </a:rPr>
-              <a:t>추출한 </a:t>
+              <a:t>부재리스트에서 추출한 </a:t>
             </a:r>
             <a:r>
               <a:rPr lang="ko-KR" altLang="en-US" sz="1600" b="1" dirty="0" smtClean="0">
@@ -4580,7 +4566,7 @@
           <p:cNvPr id="33" name="TextBox 32">
             <a:extLst>
               <a:ext uri="{FF2B5EF4-FFF2-40B4-BE49-F238E27FC236}">
-                <a16:creationId xmlns="" xmlns:a16="http://schemas.microsoft.com/office/drawing/2014/main" id="{D521CD57-7D52-4085-AA67-6293BD236F8A}"/>
+                <a16:creationId xmlns:a16="http://schemas.microsoft.com/office/drawing/2014/main" xmlns="" id="{D521CD57-7D52-4085-AA67-6293BD236F8A}"/>
               </a:ext>
             </a:extLst>
           </p:cNvPr>
@@ -4797,7 +4783,7 @@
           <p:cNvPr id="24" name="TextBox 23">
             <a:extLst>
               <a:ext uri="{FF2B5EF4-FFF2-40B4-BE49-F238E27FC236}">
-                <a16:creationId xmlns="" xmlns:a16="http://schemas.microsoft.com/office/drawing/2014/main" id="{D521CD57-7D52-4085-AA67-6293BD236F8A}"/>
+                <a16:creationId xmlns:a16="http://schemas.microsoft.com/office/drawing/2014/main" xmlns="" id="{D521CD57-7D52-4085-AA67-6293BD236F8A}"/>
               </a:ext>
             </a:extLst>
           </p:cNvPr>
@@ -4904,14 +4890,14 @@
     </p:spTree>
     <p:extLst>
       <p:ext uri="{BB962C8B-B14F-4D97-AF65-F5344CB8AC3E}">
-        <p14:creationId xmlns:p14="http://schemas.microsoft.com/office/powerpoint/2010/main" xmlns="" val="3168494829"/>
+        <p14:creationId xmlns="" xmlns:p14="http://schemas.microsoft.com/office/powerpoint/2010/main" val="3168494829"/>
       </p:ext>
     </p:extLst>
   </p:cSld>
   <p:clrMapOvr>
     <a:masterClrMapping/>
   </p:clrMapOvr>
-  <p:transition advTm="8859"/>
+  <p:transition advTm="64421"/>
   <p:timing>
     <p:tnLst>
       <p:par>
@@ -5508,14 +5494,14 @@
     </p:spTree>
     <p:extLst>
       <p:ext uri="{BB962C8B-B14F-4D97-AF65-F5344CB8AC3E}">
-        <p14:creationId xmlns:p14="http://schemas.microsoft.com/office/powerpoint/2010/main" xmlns="" val="2689856561"/>
+        <p14:creationId xmlns="" xmlns:p14="http://schemas.microsoft.com/office/powerpoint/2010/main" val="2689856561"/>
       </p:ext>
     </p:extLst>
   </p:cSld>
   <p:clrMapOvr>
     <a:masterClrMapping/>
   </p:clrMapOvr>
-  <p:transition advTm="656"/>
+  <p:transition advTm="2734"/>
   <p:timing>
     <p:tnLst>
       <p:par>
@@ -5739,7 +5725,7 @@
           <p:cNvPr id="20" name="TextBox 19">
             <a:extLst>
               <a:ext uri="{FF2B5EF4-FFF2-40B4-BE49-F238E27FC236}">
-                <a16:creationId xmlns="" xmlns:a16="http://schemas.microsoft.com/office/drawing/2014/main" id="{D521CD57-7D52-4085-AA67-6293BD236F8A}"/>
+                <a16:creationId xmlns:a16="http://schemas.microsoft.com/office/drawing/2014/main" xmlns="" id="{D521CD57-7D52-4085-AA67-6293BD236F8A}"/>
               </a:ext>
             </a:extLst>
           </p:cNvPr>
@@ -5827,7 +5813,7 @@
           <p:cNvPr id="22" name="TextBox 21">
             <a:extLst>
               <a:ext uri="{FF2B5EF4-FFF2-40B4-BE49-F238E27FC236}">
-                <a16:creationId xmlns="" xmlns:a16="http://schemas.microsoft.com/office/drawing/2014/main" id="{D521CD57-7D52-4085-AA67-6293BD236F8A}"/>
+                <a16:creationId xmlns:a16="http://schemas.microsoft.com/office/drawing/2014/main" xmlns="" id="{D521CD57-7D52-4085-AA67-6293BD236F8A}"/>
               </a:ext>
             </a:extLst>
           </p:cNvPr>
@@ -6206,14 +6192,14 @@
     </p:spTree>
     <p:extLst>
       <p:ext uri="{BB962C8B-B14F-4D97-AF65-F5344CB8AC3E}">
-        <p14:creationId xmlns:p14="http://schemas.microsoft.com/office/powerpoint/2010/main" xmlns="" val="3168494829"/>
+        <p14:creationId xmlns="" xmlns:p14="http://schemas.microsoft.com/office/powerpoint/2010/main" val="3168494829"/>
       </p:ext>
     </p:extLst>
   </p:cSld>
   <p:clrMapOvr>
     <a:masterClrMapping/>
   </p:clrMapOvr>
-  <p:transition advTm="8859"/>
+  <p:transition advTm="58265"/>
   <p:timing>
     <p:tnLst>
       <p:par>
@@ -6261,7 +6247,7 @@
           <a:blip r:embed="rId2" cstate="print">
             <a:extLst>
               <a:ext uri="{28A0092B-C50C-407E-A947-70E740481C1C}">
-                <a14:useLocalDpi xmlns:a14="http://schemas.microsoft.com/office/drawing/2010/main" xmlns="" val="0"/>
+                <a14:useLocalDpi xmlns="" xmlns:a14="http://schemas.microsoft.com/office/drawing/2010/main" val="0"/>
               </a:ext>
             </a:extLst>
           </a:blip>
@@ -6898,14 +6884,14 @@
     </p:spTree>
     <p:extLst>
       <p:ext uri="{BB962C8B-B14F-4D97-AF65-F5344CB8AC3E}">
-        <p14:creationId xmlns:p14="http://schemas.microsoft.com/office/powerpoint/2010/main" xmlns="" val="2240109207"/>
+        <p14:creationId xmlns="" xmlns:p14="http://schemas.microsoft.com/office/powerpoint/2010/main" val="2240109207"/>
       </p:ext>
     </p:extLst>
   </p:cSld>
   <p:clrMapOvr>
     <a:masterClrMapping/>
   </p:clrMapOvr>
-  <p:transition advTm="359"/>
+  <p:transition advTm="0"/>
   <p:timing>
     <p:tnLst>
       <p:par>
@@ -7486,14 +7472,14 @@
     </p:spTree>
     <p:extLst>
       <p:ext uri="{BB962C8B-B14F-4D97-AF65-F5344CB8AC3E}">
-        <p14:creationId xmlns:p14="http://schemas.microsoft.com/office/powerpoint/2010/main" xmlns="" val="2689856561"/>
+        <p14:creationId xmlns="" xmlns:p14="http://schemas.microsoft.com/office/powerpoint/2010/main" val="2689856561"/>
       </p:ext>
     </p:extLst>
   </p:cSld>
   <p:clrMapOvr>
     <a:masterClrMapping/>
   </p:clrMapOvr>
-  <p:transition advTm="234"/>
+  <p:transition advTm="563"/>
   <p:timing>
     <p:tnLst>
       <p:par>
@@ -7686,7 +7672,7 @@
           <p:cNvPr id="16" name="TextBox 15">
             <a:extLst>
               <a:ext uri="{FF2B5EF4-FFF2-40B4-BE49-F238E27FC236}">
-                <a16:creationId xmlns="" xmlns:a16="http://schemas.microsoft.com/office/drawing/2014/main" id="{D521CD57-7D52-4085-AA67-6293BD236F8A}"/>
+                <a16:creationId xmlns:a16="http://schemas.microsoft.com/office/drawing/2014/main" xmlns="" id="{D521CD57-7D52-4085-AA67-6293BD236F8A}"/>
               </a:ext>
             </a:extLst>
           </p:cNvPr>
@@ -7784,7 +7770,7 @@
           <p:cNvPr id="23" name="TextBox 22">
             <a:extLst>
               <a:ext uri="{FF2B5EF4-FFF2-40B4-BE49-F238E27FC236}">
-                <a16:creationId xmlns="" xmlns:a16="http://schemas.microsoft.com/office/drawing/2014/main" id="{D521CD57-7D52-4085-AA67-6293BD236F8A}"/>
+                <a16:creationId xmlns:a16="http://schemas.microsoft.com/office/drawing/2014/main" xmlns="" id="{D521CD57-7D52-4085-AA67-6293BD236F8A}"/>
               </a:ext>
             </a:extLst>
           </p:cNvPr>
@@ -8256,14 +8242,14 @@
     </p:spTree>
     <p:extLst>
       <p:ext uri="{BB962C8B-B14F-4D97-AF65-F5344CB8AC3E}">
-        <p14:creationId xmlns:p14="http://schemas.microsoft.com/office/powerpoint/2010/main" xmlns="" val="3168494829"/>
+        <p14:creationId xmlns="" xmlns:p14="http://schemas.microsoft.com/office/powerpoint/2010/main" val="3168494829"/>
       </p:ext>
     </p:extLst>
   </p:cSld>
   <p:clrMapOvr>
     <a:masterClrMapping/>
   </p:clrMapOvr>
-  <p:transition advTm="656"/>
+  <p:transition advTm="23890"/>
   <p:timing>
     <p:tnLst>
       <p:par>
@@ -8482,7 +8468,7 @@
           <p:cNvPr id="18" name="TextBox 17">
             <a:extLst>
               <a:ext uri="{FF2B5EF4-FFF2-40B4-BE49-F238E27FC236}">
-                <a16:creationId xmlns="" xmlns:a16="http://schemas.microsoft.com/office/drawing/2014/main" id="{D521CD57-7D52-4085-AA67-6293BD236F8A}"/>
+                <a16:creationId xmlns:a16="http://schemas.microsoft.com/office/drawing/2014/main" xmlns="" id="{D521CD57-7D52-4085-AA67-6293BD236F8A}"/>
               </a:ext>
             </a:extLst>
           </p:cNvPr>
@@ -8897,7 +8883,7 @@
           <p:cNvPr id="20" name="TextBox 19">
             <a:extLst>
               <a:ext uri="{FF2B5EF4-FFF2-40B4-BE49-F238E27FC236}">
-                <a16:creationId xmlns="" xmlns:a16="http://schemas.microsoft.com/office/drawing/2014/main" id="{D521CD57-7D52-4085-AA67-6293BD236F8A}"/>
+                <a16:creationId xmlns:a16="http://schemas.microsoft.com/office/drawing/2014/main" xmlns="" id="{D521CD57-7D52-4085-AA67-6293BD236F8A}"/>
               </a:ext>
             </a:extLst>
           </p:cNvPr>
@@ -8955,14 +8941,14 @@
     </p:spTree>
     <p:extLst>
       <p:ext uri="{BB962C8B-B14F-4D97-AF65-F5344CB8AC3E}">
-        <p14:creationId xmlns:p14="http://schemas.microsoft.com/office/powerpoint/2010/main" xmlns="" val="3168494829"/>
+        <p14:creationId xmlns="" xmlns:p14="http://schemas.microsoft.com/office/powerpoint/2010/main" val="3168494829"/>
       </p:ext>
     </p:extLst>
   </p:cSld>
   <p:clrMapOvr>
     <a:masterClrMapping/>
   </p:clrMapOvr>
-  <p:transition advTm="656"/>
+  <p:transition advTm="0"/>
   <p:timing>
     <p:tnLst>
       <p:par>
@@ -9181,7 +9167,7 @@
           <p:cNvPr id="18" name="TextBox 17">
             <a:extLst>
               <a:ext uri="{FF2B5EF4-FFF2-40B4-BE49-F238E27FC236}">
-                <a16:creationId xmlns="" xmlns:a16="http://schemas.microsoft.com/office/drawing/2014/main" id="{D521CD57-7D52-4085-AA67-6293BD236F8A}"/>
+                <a16:creationId xmlns:a16="http://schemas.microsoft.com/office/drawing/2014/main" xmlns="" id="{D521CD57-7D52-4085-AA67-6293BD236F8A}"/>
               </a:ext>
             </a:extLst>
           </p:cNvPr>
@@ -9596,7 +9582,7 @@
           <p:cNvPr id="20" name="TextBox 19">
             <a:extLst>
               <a:ext uri="{FF2B5EF4-FFF2-40B4-BE49-F238E27FC236}">
-                <a16:creationId xmlns="" xmlns:a16="http://schemas.microsoft.com/office/drawing/2014/main" id="{D521CD57-7D52-4085-AA67-6293BD236F8A}"/>
+                <a16:creationId xmlns:a16="http://schemas.microsoft.com/office/drawing/2014/main" xmlns="" id="{D521CD57-7D52-4085-AA67-6293BD236F8A}"/>
               </a:ext>
             </a:extLst>
           </p:cNvPr>
@@ -9654,14 +9640,14 @@
     </p:spTree>
     <p:extLst>
       <p:ext uri="{BB962C8B-B14F-4D97-AF65-F5344CB8AC3E}">
-        <p14:creationId xmlns:p14="http://schemas.microsoft.com/office/powerpoint/2010/main" xmlns="" val="3168494829"/>
+        <p14:creationId xmlns="" xmlns:p14="http://schemas.microsoft.com/office/powerpoint/2010/main" val="3168494829"/>
       </p:ext>
     </p:extLst>
   </p:cSld>
   <p:clrMapOvr>
     <a:masterClrMapping/>
   </p:clrMapOvr>
-  <p:transition advTm="656"/>
+  <p:transition advTm="16"/>
   <p:timing>
     <p:tnLst>
       <p:par>
@@ -9947,7 +9933,7 @@
           <p:cNvPr id="23" name="TextBox 22">
             <a:extLst>
               <a:ext uri="{FF2B5EF4-FFF2-40B4-BE49-F238E27FC236}">
-                <a16:creationId xmlns="" xmlns:a16="http://schemas.microsoft.com/office/drawing/2014/main" id="{D521CD57-7D52-4085-AA67-6293BD236F8A}"/>
+                <a16:creationId xmlns:a16="http://schemas.microsoft.com/office/drawing/2014/main" xmlns="" id="{D521CD57-7D52-4085-AA67-6293BD236F8A}"/>
               </a:ext>
             </a:extLst>
           </p:cNvPr>
@@ -10240,14 +10226,14 @@
     </p:spTree>
     <p:extLst>
       <p:ext uri="{BB962C8B-B14F-4D97-AF65-F5344CB8AC3E}">
-        <p14:creationId xmlns:p14="http://schemas.microsoft.com/office/powerpoint/2010/main" xmlns="" val="3168494829"/>
+        <p14:creationId xmlns="" xmlns:p14="http://schemas.microsoft.com/office/powerpoint/2010/main" val="3168494829"/>
       </p:ext>
     </p:extLst>
   </p:cSld>
   <p:clrMapOvr>
     <a:masterClrMapping/>
   </p:clrMapOvr>
-  <p:transition advTm="656"/>
+  <p:transition advTm="5922"/>
   <p:timing>
     <p:tnLst>
       <p:par>
@@ -11083,14 +11069,14 @@
     </p:spTree>
     <p:extLst>
       <p:ext uri="{BB962C8B-B14F-4D97-AF65-F5344CB8AC3E}">
-        <p14:creationId xmlns:p14="http://schemas.microsoft.com/office/powerpoint/2010/main" xmlns="" val="3168494829"/>
+        <p14:creationId xmlns="" xmlns:p14="http://schemas.microsoft.com/office/powerpoint/2010/main" val="3168494829"/>
       </p:ext>
     </p:extLst>
   </p:cSld>
   <p:clrMapOvr>
     <a:masterClrMapping/>
   </p:clrMapOvr>
-  <p:transition advTm="656"/>
+  <p:transition advTm="32234"/>
   <p:timing>
     <p:tnLst>
       <p:par>
@@ -11809,14 +11795,14 @@
     </p:spTree>
     <p:extLst>
       <p:ext uri="{BB962C8B-B14F-4D97-AF65-F5344CB8AC3E}">
-        <p14:creationId xmlns:p14="http://schemas.microsoft.com/office/powerpoint/2010/main" xmlns="" val="3168494829"/>
+        <p14:creationId xmlns="" xmlns:p14="http://schemas.microsoft.com/office/powerpoint/2010/main" val="3168494829"/>
       </p:ext>
     </p:extLst>
   </p:cSld>
   <p:clrMapOvr>
     <a:masterClrMapping/>
   </p:clrMapOvr>
-  <p:transition advTm="656"/>
+  <p:transition advTm="0"/>
   <p:timing>
     <p:tnLst>
       <p:par>
@@ -12055,7 +12041,7 @@
   <a:extraClrSchemeLst/>
   <a:extLst>
     <a:ext uri="{05A4C25C-085E-4340-85A3-A5531E510DB2}">
-      <thm15:themeFamily xmlns:thm15="http://schemas.microsoft.com/office/thememl/2012/main" xmlns="" name="Office Theme" id="{62F939B6-93AF-4DB8-9C6B-D6C7DFDC589F}" vid="{4A3C46E8-61CC-4603-A589-7422A47A8E4A}"/>
+      <thm15:themeFamily xmlns="" xmlns:thm15="http://schemas.microsoft.com/office/thememl/2012/main" name="Office Theme" id="{62F939B6-93AF-4DB8-9C6B-D6C7DFDC589F}" vid="{4A3C46E8-61CC-4603-A589-7422A47A8E4A}"/>
     </a:ext>
   </a:extLst>
 </a:theme>
